--- a/ppt 16-9/1350.耶和华你的话.pptx
+++ b/ppt 16-9/1350.耶和华你的话.pptx
@@ -129,7 +129,7 @@
           <p:cNvPr id="2" name="标题 1">
             <a:extLst>
               <a:ext uri="{FF2B5EF4-FFF2-40B4-BE49-F238E27FC236}">
-                <a16:creationId xmlns:a16="http://schemas.microsoft.com/office/drawing/2014/main" id="{B7FC4730-E1A7-11B5-A007-09D7BE689A62}"/>
+                <a16:creationId xmlns:a16="http://schemas.microsoft.com/office/drawing/2014/main" id="{D8FD7CA1-BEEF-AFF7-F76A-C11873EE3087}"/>
               </a:ext>
             </a:extLst>
           </p:cNvPr>
@@ -166,7 +166,7 @@
           <p:cNvPr id="3" name="副标题 2">
             <a:extLst>
               <a:ext uri="{FF2B5EF4-FFF2-40B4-BE49-F238E27FC236}">
-                <a16:creationId xmlns:a16="http://schemas.microsoft.com/office/drawing/2014/main" id="{080C7324-3206-84E9-CC10-4ED7FFAF61A3}"/>
+                <a16:creationId xmlns:a16="http://schemas.microsoft.com/office/drawing/2014/main" id="{7940172B-DE22-6B95-3F12-27B2C61608CF}"/>
               </a:ext>
             </a:extLst>
           </p:cNvPr>
@@ -236,7 +236,7 @@
           <p:cNvPr id="4" name="日期占位符 3">
             <a:extLst>
               <a:ext uri="{FF2B5EF4-FFF2-40B4-BE49-F238E27FC236}">
-                <a16:creationId xmlns:a16="http://schemas.microsoft.com/office/drawing/2014/main" id="{F0968747-F2EB-057C-DA26-E5191DC37B05}"/>
+                <a16:creationId xmlns:a16="http://schemas.microsoft.com/office/drawing/2014/main" id="{239EC750-8C29-B60B-34AA-7BA33C7819CA}"/>
               </a:ext>
             </a:extLst>
           </p:cNvPr>
@@ -252,7 +252,7 @@
           <a:bodyPr/>
           <a:lstStyle/>
           <a:p>
-            <a:fld id="{96B1BB8A-A86F-43CF-9FEB-765786A9FE6F}" type="datetimeFigureOut">
+            <a:fld id="{CA3E3504-7BC0-4D73-9755-B09889FC7414}" type="datetimeFigureOut">
               <a:rPr lang="zh-CN" altLang="en-US" smtClean="0"/>
               <a:t>2024/3/10</a:t>
             </a:fld>
@@ -265,7 +265,7 @@
           <p:cNvPr id="5" name="页脚占位符 4">
             <a:extLst>
               <a:ext uri="{FF2B5EF4-FFF2-40B4-BE49-F238E27FC236}">
-                <a16:creationId xmlns:a16="http://schemas.microsoft.com/office/drawing/2014/main" id="{6D025A37-48CD-9C10-0A06-5B79485F627E}"/>
+                <a16:creationId xmlns:a16="http://schemas.microsoft.com/office/drawing/2014/main" id="{A50BA83A-DDD5-30AC-5839-882A2268A73F}"/>
               </a:ext>
             </a:extLst>
           </p:cNvPr>
@@ -290,7 +290,7 @@
           <p:cNvPr id="6" name="灯片编号占位符 5">
             <a:extLst>
               <a:ext uri="{FF2B5EF4-FFF2-40B4-BE49-F238E27FC236}">
-                <a16:creationId xmlns:a16="http://schemas.microsoft.com/office/drawing/2014/main" id="{7C0218B1-0555-75A9-CBBB-14A95BD55902}"/>
+                <a16:creationId xmlns:a16="http://schemas.microsoft.com/office/drawing/2014/main" id="{18394F12-3479-EF16-8335-18872212836B}"/>
               </a:ext>
             </a:extLst>
           </p:cNvPr>
@@ -306,7 +306,7 @@
           <a:bodyPr/>
           <a:lstStyle/>
           <a:p>
-            <a:fld id="{37E6E479-A85E-4B76-A428-EE01C8375AA7}" type="slidenum">
+            <a:fld id="{4E709E6A-D70A-4FA8-BFA2-694B2078B7D9}" type="slidenum">
               <a:rPr lang="zh-CN" altLang="en-US" smtClean="0"/>
               <a:t>‹#›</a:t>
             </a:fld>
@@ -317,7 +317,7 @@
     </p:spTree>
     <p:extLst>
       <p:ext uri="{BB962C8B-B14F-4D97-AF65-F5344CB8AC3E}">
-        <p14:creationId xmlns:p14="http://schemas.microsoft.com/office/powerpoint/2010/main" val="375712281"/>
+        <p14:creationId xmlns:p14="http://schemas.microsoft.com/office/powerpoint/2010/main" val="1334821478"/>
       </p:ext>
     </p:extLst>
   </p:cSld>
@@ -349,7 +349,7 @@
           <p:cNvPr id="2" name="标题 1">
             <a:extLst>
               <a:ext uri="{FF2B5EF4-FFF2-40B4-BE49-F238E27FC236}">
-                <a16:creationId xmlns:a16="http://schemas.microsoft.com/office/drawing/2014/main" id="{01376664-D235-B6ED-404C-0535BA877700}"/>
+                <a16:creationId xmlns:a16="http://schemas.microsoft.com/office/drawing/2014/main" id="{84639305-896C-EEF4-2B1A-A769435C658D}"/>
               </a:ext>
             </a:extLst>
           </p:cNvPr>
@@ -377,7 +377,7 @@
           <p:cNvPr id="3" name="竖排文字占位符 2">
             <a:extLst>
               <a:ext uri="{FF2B5EF4-FFF2-40B4-BE49-F238E27FC236}">
-                <a16:creationId xmlns:a16="http://schemas.microsoft.com/office/drawing/2014/main" id="{82D331AF-CAB1-5B91-1BA8-2C8E6EBBD788}"/>
+                <a16:creationId xmlns:a16="http://schemas.microsoft.com/office/drawing/2014/main" id="{68196D3D-F103-02A8-EB34-483EF72CA639}"/>
               </a:ext>
             </a:extLst>
           </p:cNvPr>
@@ -434,7 +434,7 @@
           <p:cNvPr id="4" name="日期占位符 3">
             <a:extLst>
               <a:ext uri="{FF2B5EF4-FFF2-40B4-BE49-F238E27FC236}">
-                <a16:creationId xmlns:a16="http://schemas.microsoft.com/office/drawing/2014/main" id="{B4671804-14F0-2F58-D7B2-A059D42904CF}"/>
+                <a16:creationId xmlns:a16="http://schemas.microsoft.com/office/drawing/2014/main" id="{1EF95A9F-4CA0-9645-9C29-642D8E7D23BC}"/>
               </a:ext>
             </a:extLst>
           </p:cNvPr>
@@ -450,7 +450,7 @@
           <a:bodyPr/>
           <a:lstStyle/>
           <a:p>
-            <a:fld id="{96B1BB8A-A86F-43CF-9FEB-765786A9FE6F}" type="datetimeFigureOut">
+            <a:fld id="{CA3E3504-7BC0-4D73-9755-B09889FC7414}" type="datetimeFigureOut">
               <a:rPr lang="zh-CN" altLang="en-US" smtClean="0"/>
               <a:t>2024/3/10</a:t>
             </a:fld>
@@ -463,7 +463,7 @@
           <p:cNvPr id="5" name="页脚占位符 4">
             <a:extLst>
               <a:ext uri="{FF2B5EF4-FFF2-40B4-BE49-F238E27FC236}">
-                <a16:creationId xmlns:a16="http://schemas.microsoft.com/office/drawing/2014/main" id="{665D60E3-7212-60D8-ED73-798A3FBF68D2}"/>
+                <a16:creationId xmlns:a16="http://schemas.microsoft.com/office/drawing/2014/main" id="{A6D20ADF-FC47-9B8F-E6E2-1B936F2B0BAD}"/>
               </a:ext>
             </a:extLst>
           </p:cNvPr>
@@ -488,7 +488,7 @@
           <p:cNvPr id="6" name="灯片编号占位符 5">
             <a:extLst>
               <a:ext uri="{FF2B5EF4-FFF2-40B4-BE49-F238E27FC236}">
-                <a16:creationId xmlns:a16="http://schemas.microsoft.com/office/drawing/2014/main" id="{79D472AD-3B2A-7C08-6386-61302AE85CE0}"/>
+                <a16:creationId xmlns:a16="http://schemas.microsoft.com/office/drawing/2014/main" id="{4EA0252E-0E11-DF54-D76E-83078C8C9B1B}"/>
               </a:ext>
             </a:extLst>
           </p:cNvPr>
@@ -504,7 +504,7 @@
           <a:bodyPr/>
           <a:lstStyle/>
           <a:p>
-            <a:fld id="{37E6E479-A85E-4B76-A428-EE01C8375AA7}" type="slidenum">
+            <a:fld id="{4E709E6A-D70A-4FA8-BFA2-694B2078B7D9}" type="slidenum">
               <a:rPr lang="zh-CN" altLang="en-US" smtClean="0"/>
               <a:t>‹#›</a:t>
             </a:fld>
@@ -515,7 +515,7 @@
     </p:spTree>
     <p:extLst>
       <p:ext uri="{BB962C8B-B14F-4D97-AF65-F5344CB8AC3E}">
-        <p14:creationId xmlns:p14="http://schemas.microsoft.com/office/powerpoint/2010/main" val="1325696087"/>
+        <p14:creationId xmlns:p14="http://schemas.microsoft.com/office/powerpoint/2010/main" val="1055484710"/>
       </p:ext>
     </p:extLst>
   </p:cSld>
@@ -547,7 +547,7 @@
           <p:cNvPr id="2" name="竖排标题 1">
             <a:extLst>
               <a:ext uri="{FF2B5EF4-FFF2-40B4-BE49-F238E27FC236}">
-                <a16:creationId xmlns:a16="http://schemas.microsoft.com/office/drawing/2014/main" id="{79C6EC4F-E2E1-60C7-B82A-D3A7E760FC8E}"/>
+                <a16:creationId xmlns:a16="http://schemas.microsoft.com/office/drawing/2014/main" id="{9075EE9A-F893-799E-49C0-B2D2ADD51780}"/>
               </a:ext>
             </a:extLst>
           </p:cNvPr>
@@ -580,7 +580,7 @@
           <p:cNvPr id="3" name="竖排文字占位符 2">
             <a:extLst>
               <a:ext uri="{FF2B5EF4-FFF2-40B4-BE49-F238E27FC236}">
-                <a16:creationId xmlns:a16="http://schemas.microsoft.com/office/drawing/2014/main" id="{76FE99DB-32D8-B8C1-6322-129505F8D227}"/>
+                <a16:creationId xmlns:a16="http://schemas.microsoft.com/office/drawing/2014/main" id="{F6243344-D11C-D2E1-637C-D492442FB072}"/>
               </a:ext>
             </a:extLst>
           </p:cNvPr>
@@ -642,7 +642,7 @@
           <p:cNvPr id="4" name="日期占位符 3">
             <a:extLst>
               <a:ext uri="{FF2B5EF4-FFF2-40B4-BE49-F238E27FC236}">
-                <a16:creationId xmlns:a16="http://schemas.microsoft.com/office/drawing/2014/main" id="{3CA55837-E3FB-9786-F4CA-8F60A1A62C0B}"/>
+                <a16:creationId xmlns:a16="http://schemas.microsoft.com/office/drawing/2014/main" id="{67C8DBAB-DD89-4DB1-F71D-E128C6BB116C}"/>
               </a:ext>
             </a:extLst>
           </p:cNvPr>
@@ -658,7 +658,7 @@
           <a:bodyPr/>
           <a:lstStyle/>
           <a:p>
-            <a:fld id="{96B1BB8A-A86F-43CF-9FEB-765786A9FE6F}" type="datetimeFigureOut">
+            <a:fld id="{CA3E3504-7BC0-4D73-9755-B09889FC7414}" type="datetimeFigureOut">
               <a:rPr lang="zh-CN" altLang="en-US" smtClean="0"/>
               <a:t>2024/3/10</a:t>
             </a:fld>
@@ -671,7 +671,7 @@
           <p:cNvPr id="5" name="页脚占位符 4">
             <a:extLst>
               <a:ext uri="{FF2B5EF4-FFF2-40B4-BE49-F238E27FC236}">
-                <a16:creationId xmlns:a16="http://schemas.microsoft.com/office/drawing/2014/main" id="{5FDD4FC9-C997-FEC1-F1B7-98579C580A97}"/>
+                <a16:creationId xmlns:a16="http://schemas.microsoft.com/office/drawing/2014/main" id="{5A03935A-FCCB-44F8-5144-E1B9FEC3F43C}"/>
               </a:ext>
             </a:extLst>
           </p:cNvPr>
@@ -696,7 +696,7 @@
           <p:cNvPr id="6" name="灯片编号占位符 5">
             <a:extLst>
               <a:ext uri="{FF2B5EF4-FFF2-40B4-BE49-F238E27FC236}">
-                <a16:creationId xmlns:a16="http://schemas.microsoft.com/office/drawing/2014/main" id="{3C6E368F-E870-0DB1-30D2-435F417A552A}"/>
+                <a16:creationId xmlns:a16="http://schemas.microsoft.com/office/drawing/2014/main" id="{87EACE6C-3735-A848-17A2-85D81FAB3962}"/>
               </a:ext>
             </a:extLst>
           </p:cNvPr>
@@ -712,7 +712,7 @@
           <a:bodyPr/>
           <a:lstStyle/>
           <a:p>
-            <a:fld id="{37E6E479-A85E-4B76-A428-EE01C8375AA7}" type="slidenum">
+            <a:fld id="{4E709E6A-D70A-4FA8-BFA2-694B2078B7D9}" type="slidenum">
               <a:rPr lang="zh-CN" altLang="en-US" smtClean="0"/>
               <a:t>‹#›</a:t>
             </a:fld>
@@ -723,7 +723,7 @@
     </p:spTree>
     <p:extLst>
       <p:ext uri="{BB962C8B-B14F-4D97-AF65-F5344CB8AC3E}">
-        <p14:creationId xmlns:p14="http://schemas.microsoft.com/office/powerpoint/2010/main" val="3165365918"/>
+        <p14:creationId xmlns:p14="http://schemas.microsoft.com/office/powerpoint/2010/main" val="1569788489"/>
       </p:ext>
     </p:extLst>
   </p:cSld>
@@ -755,7 +755,7 @@
           <p:cNvPr id="2" name="标题 1">
             <a:extLst>
               <a:ext uri="{FF2B5EF4-FFF2-40B4-BE49-F238E27FC236}">
-                <a16:creationId xmlns:a16="http://schemas.microsoft.com/office/drawing/2014/main" id="{1D223110-BFDF-292D-544D-DA0C6D3ED901}"/>
+                <a16:creationId xmlns:a16="http://schemas.microsoft.com/office/drawing/2014/main" id="{B8C589F2-6CDE-F920-B5BC-E51FDEED7873}"/>
               </a:ext>
             </a:extLst>
           </p:cNvPr>
@@ -783,7 +783,7 @@
           <p:cNvPr id="3" name="内容占位符 2">
             <a:extLst>
               <a:ext uri="{FF2B5EF4-FFF2-40B4-BE49-F238E27FC236}">
-                <a16:creationId xmlns:a16="http://schemas.microsoft.com/office/drawing/2014/main" id="{58EFE9CA-4F92-B809-C32D-C9D66DF9BCDD}"/>
+                <a16:creationId xmlns:a16="http://schemas.microsoft.com/office/drawing/2014/main" id="{EC557A81-1ECA-EFFD-49BC-38DC80097462}"/>
               </a:ext>
             </a:extLst>
           </p:cNvPr>
@@ -840,7 +840,7 @@
           <p:cNvPr id="4" name="日期占位符 3">
             <a:extLst>
               <a:ext uri="{FF2B5EF4-FFF2-40B4-BE49-F238E27FC236}">
-                <a16:creationId xmlns:a16="http://schemas.microsoft.com/office/drawing/2014/main" id="{2A6E5CF8-814C-BF07-03A8-FA1B47006F32}"/>
+                <a16:creationId xmlns:a16="http://schemas.microsoft.com/office/drawing/2014/main" id="{90A7F976-405B-4DA5-1350-508D6D2BF8EC}"/>
               </a:ext>
             </a:extLst>
           </p:cNvPr>
@@ -856,7 +856,7 @@
           <a:bodyPr/>
           <a:lstStyle/>
           <a:p>
-            <a:fld id="{96B1BB8A-A86F-43CF-9FEB-765786A9FE6F}" type="datetimeFigureOut">
+            <a:fld id="{CA3E3504-7BC0-4D73-9755-B09889FC7414}" type="datetimeFigureOut">
               <a:rPr lang="zh-CN" altLang="en-US" smtClean="0"/>
               <a:t>2024/3/10</a:t>
             </a:fld>
@@ -869,7 +869,7 @@
           <p:cNvPr id="5" name="页脚占位符 4">
             <a:extLst>
               <a:ext uri="{FF2B5EF4-FFF2-40B4-BE49-F238E27FC236}">
-                <a16:creationId xmlns:a16="http://schemas.microsoft.com/office/drawing/2014/main" id="{24CA6099-3FDA-782F-E6A7-2059119BF686}"/>
+                <a16:creationId xmlns:a16="http://schemas.microsoft.com/office/drawing/2014/main" id="{7F9C3CCD-4002-9692-A164-FA827352CDA4}"/>
               </a:ext>
             </a:extLst>
           </p:cNvPr>
@@ -894,7 +894,7 @@
           <p:cNvPr id="6" name="灯片编号占位符 5">
             <a:extLst>
               <a:ext uri="{FF2B5EF4-FFF2-40B4-BE49-F238E27FC236}">
-                <a16:creationId xmlns:a16="http://schemas.microsoft.com/office/drawing/2014/main" id="{421CC10B-0153-EC09-2F35-E1C16E6C712F}"/>
+                <a16:creationId xmlns:a16="http://schemas.microsoft.com/office/drawing/2014/main" id="{796E7811-9C04-D6DB-6595-263BD6940EBB}"/>
               </a:ext>
             </a:extLst>
           </p:cNvPr>
@@ -910,7 +910,7 @@
           <a:bodyPr/>
           <a:lstStyle/>
           <a:p>
-            <a:fld id="{37E6E479-A85E-4B76-A428-EE01C8375AA7}" type="slidenum">
+            <a:fld id="{4E709E6A-D70A-4FA8-BFA2-694B2078B7D9}" type="slidenum">
               <a:rPr lang="zh-CN" altLang="en-US" smtClean="0"/>
               <a:t>‹#›</a:t>
             </a:fld>
@@ -921,7 +921,7 @@
     </p:spTree>
     <p:extLst>
       <p:ext uri="{BB962C8B-B14F-4D97-AF65-F5344CB8AC3E}">
-        <p14:creationId xmlns:p14="http://schemas.microsoft.com/office/powerpoint/2010/main" val="1031559690"/>
+        <p14:creationId xmlns:p14="http://schemas.microsoft.com/office/powerpoint/2010/main" val="1282085433"/>
       </p:ext>
     </p:extLst>
   </p:cSld>
@@ -953,7 +953,7 @@
           <p:cNvPr id="2" name="标题 1">
             <a:extLst>
               <a:ext uri="{FF2B5EF4-FFF2-40B4-BE49-F238E27FC236}">
-                <a16:creationId xmlns:a16="http://schemas.microsoft.com/office/drawing/2014/main" id="{E7B2F80A-24DF-2A71-20AB-CEB5502E55C3}"/>
+                <a16:creationId xmlns:a16="http://schemas.microsoft.com/office/drawing/2014/main" id="{2DA52CFE-1586-0B96-AA96-DA37330827C2}"/>
               </a:ext>
             </a:extLst>
           </p:cNvPr>
@@ -990,7 +990,7 @@
           <p:cNvPr id="3" name="文本占位符 2">
             <a:extLst>
               <a:ext uri="{FF2B5EF4-FFF2-40B4-BE49-F238E27FC236}">
-                <a16:creationId xmlns:a16="http://schemas.microsoft.com/office/drawing/2014/main" id="{9F2BD781-EF99-0F87-1AB6-BDA6B351B6CC}"/>
+                <a16:creationId xmlns:a16="http://schemas.microsoft.com/office/drawing/2014/main" id="{046499C2-C1DB-87E6-89B0-CE8DDC6D4092}"/>
               </a:ext>
             </a:extLst>
           </p:cNvPr>
@@ -1115,7 +1115,7 @@
           <p:cNvPr id="4" name="日期占位符 3">
             <a:extLst>
               <a:ext uri="{FF2B5EF4-FFF2-40B4-BE49-F238E27FC236}">
-                <a16:creationId xmlns:a16="http://schemas.microsoft.com/office/drawing/2014/main" id="{0D37561C-9AB0-D293-4056-5473F7C6FC41}"/>
+                <a16:creationId xmlns:a16="http://schemas.microsoft.com/office/drawing/2014/main" id="{22A1AA13-73EA-246D-6E3D-8A74615EBE27}"/>
               </a:ext>
             </a:extLst>
           </p:cNvPr>
@@ -1131,7 +1131,7 @@
           <a:bodyPr/>
           <a:lstStyle/>
           <a:p>
-            <a:fld id="{96B1BB8A-A86F-43CF-9FEB-765786A9FE6F}" type="datetimeFigureOut">
+            <a:fld id="{CA3E3504-7BC0-4D73-9755-B09889FC7414}" type="datetimeFigureOut">
               <a:rPr lang="zh-CN" altLang="en-US" smtClean="0"/>
               <a:t>2024/3/10</a:t>
             </a:fld>
@@ -1144,7 +1144,7 @@
           <p:cNvPr id="5" name="页脚占位符 4">
             <a:extLst>
               <a:ext uri="{FF2B5EF4-FFF2-40B4-BE49-F238E27FC236}">
-                <a16:creationId xmlns:a16="http://schemas.microsoft.com/office/drawing/2014/main" id="{35DEA6F0-4224-9DCC-202B-A862B900F95C}"/>
+                <a16:creationId xmlns:a16="http://schemas.microsoft.com/office/drawing/2014/main" id="{2D3F28C3-762B-DA3C-400B-97A5A2020EAF}"/>
               </a:ext>
             </a:extLst>
           </p:cNvPr>
@@ -1169,7 +1169,7 @@
           <p:cNvPr id="6" name="灯片编号占位符 5">
             <a:extLst>
               <a:ext uri="{FF2B5EF4-FFF2-40B4-BE49-F238E27FC236}">
-                <a16:creationId xmlns:a16="http://schemas.microsoft.com/office/drawing/2014/main" id="{87D38AB4-9DC5-8156-72B5-D5B5898D2BBB}"/>
+                <a16:creationId xmlns:a16="http://schemas.microsoft.com/office/drawing/2014/main" id="{600DDC0A-0D12-C63D-7600-C20BE3B434DD}"/>
               </a:ext>
             </a:extLst>
           </p:cNvPr>
@@ -1185,7 +1185,7 @@
           <a:bodyPr/>
           <a:lstStyle/>
           <a:p>
-            <a:fld id="{37E6E479-A85E-4B76-A428-EE01C8375AA7}" type="slidenum">
+            <a:fld id="{4E709E6A-D70A-4FA8-BFA2-694B2078B7D9}" type="slidenum">
               <a:rPr lang="zh-CN" altLang="en-US" smtClean="0"/>
               <a:t>‹#›</a:t>
             </a:fld>
@@ -1196,7 +1196,7 @@
     </p:spTree>
     <p:extLst>
       <p:ext uri="{BB962C8B-B14F-4D97-AF65-F5344CB8AC3E}">
-        <p14:creationId xmlns:p14="http://schemas.microsoft.com/office/powerpoint/2010/main" val="873659348"/>
+        <p14:creationId xmlns:p14="http://schemas.microsoft.com/office/powerpoint/2010/main" val="634761438"/>
       </p:ext>
     </p:extLst>
   </p:cSld>
@@ -1228,7 +1228,7 @@
           <p:cNvPr id="2" name="标题 1">
             <a:extLst>
               <a:ext uri="{FF2B5EF4-FFF2-40B4-BE49-F238E27FC236}">
-                <a16:creationId xmlns:a16="http://schemas.microsoft.com/office/drawing/2014/main" id="{B1F2B6D0-DE46-0270-C645-B74F3DFE1B2D}"/>
+                <a16:creationId xmlns:a16="http://schemas.microsoft.com/office/drawing/2014/main" id="{E5B13F8C-B5A3-8B3A-9AB5-8CB04D68EB51}"/>
               </a:ext>
             </a:extLst>
           </p:cNvPr>
@@ -1256,7 +1256,7 @@
           <p:cNvPr id="3" name="内容占位符 2">
             <a:extLst>
               <a:ext uri="{FF2B5EF4-FFF2-40B4-BE49-F238E27FC236}">
-                <a16:creationId xmlns:a16="http://schemas.microsoft.com/office/drawing/2014/main" id="{AEAEA7F4-38D8-A262-3633-7427FC401364}"/>
+                <a16:creationId xmlns:a16="http://schemas.microsoft.com/office/drawing/2014/main" id="{49969721-4C3D-FBAF-0609-E4EDB454431B}"/>
               </a:ext>
             </a:extLst>
           </p:cNvPr>
@@ -1318,7 +1318,7 @@
           <p:cNvPr id="4" name="内容占位符 3">
             <a:extLst>
               <a:ext uri="{FF2B5EF4-FFF2-40B4-BE49-F238E27FC236}">
-                <a16:creationId xmlns:a16="http://schemas.microsoft.com/office/drawing/2014/main" id="{AB083DAC-2B75-694F-6D5B-BA3039A874E5}"/>
+                <a16:creationId xmlns:a16="http://schemas.microsoft.com/office/drawing/2014/main" id="{BC27ECFA-67AD-2253-7DD7-19D84C50BC06}"/>
               </a:ext>
             </a:extLst>
           </p:cNvPr>
@@ -1380,7 +1380,7 @@
           <p:cNvPr id="5" name="日期占位符 4">
             <a:extLst>
               <a:ext uri="{FF2B5EF4-FFF2-40B4-BE49-F238E27FC236}">
-                <a16:creationId xmlns:a16="http://schemas.microsoft.com/office/drawing/2014/main" id="{2CD82007-A114-AA9E-2350-2EE384011C96}"/>
+                <a16:creationId xmlns:a16="http://schemas.microsoft.com/office/drawing/2014/main" id="{E34AA03B-C7B5-B64A-5F3E-24ABAB52292E}"/>
               </a:ext>
             </a:extLst>
           </p:cNvPr>
@@ -1396,7 +1396,7 @@
           <a:bodyPr/>
           <a:lstStyle/>
           <a:p>
-            <a:fld id="{96B1BB8A-A86F-43CF-9FEB-765786A9FE6F}" type="datetimeFigureOut">
+            <a:fld id="{CA3E3504-7BC0-4D73-9755-B09889FC7414}" type="datetimeFigureOut">
               <a:rPr lang="zh-CN" altLang="en-US" smtClean="0"/>
               <a:t>2024/3/10</a:t>
             </a:fld>
@@ -1409,7 +1409,7 @@
           <p:cNvPr id="6" name="页脚占位符 5">
             <a:extLst>
               <a:ext uri="{FF2B5EF4-FFF2-40B4-BE49-F238E27FC236}">
-                <a16:creationId xmlns:a16="http://schemas.microsoft.com/office/drawing/2014/main" id="{96DF7DF3-AC45-EF6B-D266-168543DFDA5A}"/>
+                <a16:creationId xmlns:a16="http://schemas.microsoft.com/office/drawing/2014/main" id="{CC6D9313-54BB-2CE8-32C6-F95732A5DB10}"/>
               </a:ext>
             </a:extLst>
           </p:cNvPr>
@@ -1434,7 +1434,7 @@
           <p:cNvPr id="7" name="灯片编号占位符 6">
             <a:extLst>
               <a:ext uri="{FF2B5EF4-FFF2-40B4-BE49-F238E27FC236}">
-                <a16:creationId xmlns:a16="http://schemas.microsoft.com/office/drawing/2014/main" id="{0F7B24BD-9BBD-E4B0-47AD-34DEC58AD070}"/>
+                <a16:creationId xmlns:a16="http://schemas.microsoft.com/office/drawing/2014/main" id="{C163996B-7170-6105-4C26-756BFE269107}"/>
               </a:ext>
             </a:extLst>
           </p:cNvPr>
@@ -1450,7 +1450,7 @@
           <a:bodyPr/>
           <a:lstStyle/>
           <a:p>
-            <a:fld id="{37E6E479-A85E-4B76-A428-EE01C8375AA7}" type="slidenum">
+            <a:fld id="{4E709E6A-D70A-4FA8-BFA2-694B2078B7D9}" type="slidenum">
               <a:rPr lang="zh-CN" altLang="en-US" smtClean="0"/>
               <a:t>‹#›</a:t>
             </a:fld>
@@ -1461,7 +1461,7 @@
     </p:spTree>
     <p:extLst>
       <p:ext uri="{BB962C8B-B14F-4D97-AF65-F5344CB8AC3E}">
-        <p14:creationId xmlns:p14="http://schemas.microsoft.com/office/powerpoint/2010/main" val="3634796829"/>
+        <p14:creationId xmlns:p14="http://schemas.microsoft.com/office/powerpoint/2010/main" val="3650507083"/>
       </p:ext>
     </p:extLst>
   </p:cSld>
@@ -1493,7 +1493,7 @@
           <p:cNvPr id="2" name="标题 1">
             <a:extLst>
               <a:ext uri="{FF2B5EF4-FFF2-40B4-BE49-F238E27FC236}">
-                <a16:creationId xmlns:a16="http://schemas.microsoft.com/office/drawing/2014/main" id="{B3F3AC86-16F3-3C6E-F17C-B4D6C072A610}"/>
+                <a16:creationId xmlns:a16="http://schemas.microsoft.com/office/drawing/2014/main" id="{C79F1D37-5110-BF53-77AC-441D1CC2CEFC}"/>
               </a:ext>
             </a:extLst>
           </p:cNvPr>
@@ -1526,7 +1526,7 @@
           <p:cNvPr id="3" name="文本占位符 2">
             <a:extLst>
               <a:ext uri="{FF2B5EF4-FFF2-40B4-BE49-F238E27FC236}">
-                <a16:creationId xmlns:a16="http://schemas.microsoft.com/office/drawing/2014/main" id="{EAFDD397-BA19-6F92-759C-961285FD6962}"/>
+                <a16:creationId xmlns:a16="http://schemas.microsoft.com/office/drawing/2014/main" id="{B3E61167-03A8-0B16-A312-AF58F8461905}"/>
               </a:ext>
             </a:extLst>
           </p:cNvPr>
@@ -1597,7 +1597,7 @@
           <p:cNvPr id="4" name="内容占位符 3">
             <a:extLst>
               <a:ext uri="{FF2B5EF4-FFF2-40B4-BE49-F238E27FC236}">
-                <a16:creationId xmlns:a16="http://schemas.microsoft.com/office/drawing/2014/main" id="{D459A5DC-9B1E-ACE4-31C8-2FF0B1C192FD}"/>
+                <a16:creationId xmlns:a16="http://schemas.microsoft.com/office/drawing/2014/main" id="{035FD4D8-8970-770E-5292-DC772D5BED42}"/>
               </a:ext>
             </a:extLst>
           </p:cNvPr>
@@ -1659,7 +1659,7 @@
           <p:cNvPr id="5" name="文本占位符 4">
             <a:extLst>
               <a:ext uri="{FF2B5EF4-FFF2-40B4-BE49-F238E27FC236}">
-                <a16:creationId xmlns:a16="http://schemas.microsoft.com/office/drawing/2014/main" id="{8F52D7C3-9CC3-5618-0F2F-1624D7E8EFD0}"/>
+                <a16:creationId xmlns:a16="http://schemas.microsoft.com/office/drawing/2014/main" id="{E4E7A459-396C-80C9-BD9C-9D3B3A2BF2E2}"/>
               </a:ext>
             </a:extLst>
           </p:cNvPr>
@@ -1730,7 +1730,7 @@
           <p:cNvPr id="6" name="内容占位符 5">
             <a:extLst>
               <a:ext uri="{FF2B5EF4-FFF2-40B4-BE49-F238E27FC236}">
-                <a16:creationId xmlns:a16="http://schemas.microsoft.com/office/drawing/2014/main" id="{5AC38AAB-B700-BC0A-5C61-BE26F57481DA}"/>
+                <a16:creationId xmlns:a16="http://schemas.microsoft.com/office/drawing/2014/main" id="{393DBF1B-16D9-24D5-FBD9-1E881747C522}"/>
               </a:ext>
             </a:extLst>
           </p:cNvPr>
@@ -1792,7 +1792,7 @@
           <p:cNvPr id="7" name="日期占位符 6">
             <a:extLst>
               <a:ext uri="{FF2B5EF4-FFF2-40B4-BE49-F238E27FC236}">
-                <a16:creationId xmlns:a16="http://schemas.microsoft.com/office/drawing/2014/main" id="{50C32E19-39E0-FE79-4A15-1B334B561D2C}"/>
+                <a16:creationId xmlns:a16="http://schemas.microsoft.com/office/drawing/2014/main" id="{EB24643C-917B-274B-60FD-E5EDC4A508F0}"/>
               </a:ext>
             </a:extLst>
           </p:cNvPr>
@@ -1808,7 +1808,7 @@
           <a:bodyPr/>
           <a:lstStyle/>
           <a:p>
-            <a:fld id="{96B1BB8A-A86F-43CF-9FEB-765786A9FE6F}" type="datetimeFigureOut">
+            <a:fld id="{CA3E3504-7BC0-4D73-9755-B09889FC7414}" type="datetimeFigureOut">
               <a:rPr lang="zh-CN" altLang="en-US" smtClean="0"/>
               <a:t>2024/3/10</a:t>
             </a:fld>
@@ -1821,7 +1821,7 @@
           <p:cNvPr id="8" name="页脚占位符 7">
             <a:extLst>
               <a:ext uri="{FF2B5EF4-FFF2-40B4-BE49-F238E27FC236}">
-                <a16:creationId xmlns:a16="http://schemas.microsoft.com/office/drawing/2014/main" id="{2D2C95FA-E97F-AD8A-198B-58E36E516445}"/>
+                <a16:creationId xmlns:a16="http://schemas.microsoft.com/office/drawing/2014/main" id="{6CA45077-B058-CCD8-722C-ABDC8E6BFE56}"/>
               </a:ext>
             </a:extLst>
           </p:cNvPr>
@@ -1846,7 +1846,7 @@
           <p:cNvPr id="9" name="灯片编号占位符 8">
             <a:extLst>
               <a:ext uri="{FF2B5EF4-FFF2-40B4-BE49-F238E27FC236}">
-                <a16:creationId xmlns:a16="http://schemas.microsoft.com/office/drawing/2014/main" id="{C6957991-236F-832B-D434-6A5F6C9A41E9}"/>
+                <a16:creationId xmlns:a16="http://schemas.microsoft.com/office/drawing/2014/main" id="{503CF99F-D9A8-AD2B-4902-773511861FDF}"/>
               </a:ext>
             </a:extLst>
           </p:cNvPr>
@@ -1862,7 +1862,7 @@
           <a:bodyPr/>
           <a:lstStyle/>
           <a:p>
-            <a:fld id="{37E6E479-A85E-4B76-A428-EE01C8375AA7}" type="slidenum">
+            <a:fld id="{4E709E6A-D70A-4FA8-BFA2-694B2078B7D9}" type="slidenum">
               <a:rPr lang="zh-CN" altLang="en-US" smtClean="0"/>
               <a:t>‹#›</a:t>
             </a:fld>
@@ -1873,7 +1873,7 @@
     </p:spTree>
     <p:extLst>
       <p:ext uri="{BB962C8B-B14F-4D97-AF65-F5344CB8AC3E}">
-        <p14:creationId xmlns:p14="http://schemas.microsoft.com/office/powerpoint/2010/main" val="542561808"/>
+        <p14:creationId xmlns:p14="http://schemas.microsoft.com/office/powerpoint/2010/main" val="746712502"/>
       </p:ext>
     </p:extLst>
   </p:cSld>
@@ -1905,7 +1905,7 @@
           <p:cNvPr id="2" name="标题 1">
             <a:extLst>
               <a:ext uri="{FF2B5EF4-FFF2-40B4-BE49-F238E27FC236}">
-                <a16:creationId xmlns:a16="http://schemas.microsoft.com/office/drawing/2014/main" id="{74135367-43E7-ACE0-223D-CDBD167AFF71}"/>
+                <a16:creationId xmlns:a16="http://schemas.microsoft.com/office/drawing/2014/main" id="{1510F004-C3D0-B281-874E-12727CDB31B8}"/>
               </a:ext>
             </a:extLst>
           </p:cNvPr>
@@ -1933,7 +1933,7 @@
           <p:cNvPr id="3" name="日期占位符 2">
             <a:extLst>
               <a:ext uri="{FF2B5EF4-FFF2-40B4-BE49-F238E27FC236}">
-                <a16:creationId xmlns:a16="http://schemas.microsoft.com/office/drawing/2014/main" id="{E5483817-8B35-E7D3-23CB-C9DDCECEF6D0}"/>
+                <a16:creationId xmlns:a16="http://schemas.microsoft.com/office/drawing/2014/main" id="{6C58354B-38BE-2667-F672-F150AD6E5115}"/>
               </a:ext>
             </a:extLst>
           </p:cNvPr>
@@ -1949,7 +1949,7 @@
           <a:bodyPr/>
           <a:lstStyle/>
           <a:p>
-            <a:fld id="{96B1BB8A-A86F-43CF-9FEB-765786A9FE6F}" type="datetimeFigureOut">
+            <a:fld id="{CA3E3504-7BC0-4D73-9755-B09889FC7414}" type="datetimeFigureOut">
               <a:rPr lang="zh-CN" altLang="en-US" smtClean="0"/>
               <a:t>2024/3/10</a:t>
             </a:fld>
@@ -1962,7 +1962,7 @@
           <p:cNvPr id="4" name="页脚占位符 3">
             <a:extLst>
               <a:ext uri="{FF2B5EF4-FFF2-40B4-BE49-F238E27FC236}">
-                <a16:creationId xmlns:a16="http://schemas.microsoft.com/office/drawing/2014/main" id="{5382CF21-8C37-3742-1883-163E8EB90965}"/>
+                <a16:creationId xmlns:a16="http://schemas.microsoft.com/office/drawing/2014/main" id="{102F8DDB-99C9-B70C-B8AA-8090FC943E7B}"/>
               </a:ext>
             </a:extLst>
           </p:cNvPr>
@@ -1987,7 +1987,7 @@
           <p:cNvPr id="5" name="灯片编号占位符 4">
             <a:extLst>
               <a:ext uri="{FF2B5EF4-FFF2-40B4-BE49-F238E27FC236}">
-                <a16:creationId xmlns:a16="http://schemas.microsoft.com/office/drawing/2014/main" id="{B81AD2BC-9C1F-725D-9098-6A28A774CDD0}"/>
+                <a16:creationId xmlns:a16="http://schemas.microsoft.com/office/drawing/2014/main" id="{45001E12-9BD5-A165-F2DD-7365FCEEEA30}"/>
               </a:ext>
             </a:extLst>
           </p:cNvPr>
@@ -2003,7 +2003,7 @@
           <a:bodyPr/>
           <a:lstStyle/>
           <a:p>
-            <a:fld id="{37E6E479-A85E-4B76-A428-EE01C8375AA7}" type="slidenum">
+            <a:fld id="{4E709E6A-D70A-4FA8-BFA2-694B2078B7D9}" type="slidenum">
               <a:rPr lang="zh-CN" altLang="en-US" smtClean="0"/>
               <a:t>‹#›</a:t>
             </a:fld>
@@ -2014,7 +2014,7 @@
     </p:spTree>
     <p:extLst>
       <p:ext uri="{BB962C8B-B14F-4D97-AF65-F5344CB8AC3E}">
-        <p14:creationId xmlns:p14="http://schemas.microsoft.com/office/powerpoint/2010/main" val="4005420220"/>
+        <p14:creationId xmlns:p14="http://schemas.microsoft.com/office/powerpoint/2010/main" val="3967338326"/>
       </p:ext>
     </p:extLst>
   </p:cSld>
@@ -2046,7 +2046,7 @@
           <p:cNvPr id="2" name="日期占位符 1">
             <a:extLst>
               <a:ext uri="{FF2B5EF4-FFF2-40B4-BE49-F238E27FC236}">
-                <a16:creationId xmlns:a16="http://schemas.microsoft.com/office/drawing/2014/main" id="{8BF3DA4F-BE2B-E865-B34D-18E7AFF9F2BC}"/>
+                <a16:creationId xmlns:a16="http://schemas.microsoft.com/office/drawing/2014/main" id="{261CF594-8E82-21C3-9907-50CA97C722E4}"/>
               </a:ext>
             </a:extLst>
           </p:cNvPr>
@@ -2062,7 +2062,7 @@
           <a:bodyPr/>
           <a:lstStyle/>
           <a:p>
-            <a:fld id="{96B1BB8A-A86F-43CF-9FEB-765786A9FE6F}" type="datetimeFigureOut">
+            <a:fld id="{CA3E3504-7BC0-4D73-9755-B09889FC7414}" type="datetimeFigureOut">
               <a:rPr lang="zh-CN" altLang="en-US" smtClean="0"/>
               <a:t>2024/3/10</a:t>
             </a:fld>
@@ -2075,7 +2075,7 @@
           <p:cNvPr id="3" name="页脚占位符 2">
             <a:extLst>
               <a:ext uri="{FF2B5EF4-FFF2-40B4-BE49-F238E27FC236}">
-                <a16:creationId xmlns:a16="http://schemas.microsoft.com/office/drawing/2014/main" id="{8B5F845D-E53E-BDE6-A8A0-3A7AD7804437}"/>
+                <a16:creationId xmlns:a16="http://schemas.microsoft.com/office/drawing/2014/main" id="{AED9E05C-CA33-A200-182B-D88D3AD82F0A}"/>
               </a:ext>
             </a:extLst>
           </p:cNvPr>
@@ -2100,7 +2100,7 @@
           <p:cNvPr id="4" name="灯片编号占位符 3">
             <a:extLst>
               <a:ext uri="{FF2B5EF4-FFF2-40B4-BE49-F238E27FC236}">
-                <a16:creationId xmlns:a16="http://schemas.microsoft.com/office/drawing/2014/main" id="{4DA37560-3481-6980-22E5-A00B17356305}"/>
+                <a16:creationId xmlns:a16="http://schemas.microsoft.com/office/drawing/2014/main" id="{B0A8CA20-A77B-224B-58B9-75DB5D3AB049}"/>
               </a:ext>
             </a:extLst>
           </p:cNvPr>
@@ -2116,7 +2116,7 @@
           <a:bodyPr/>
           <a:lstStyle/>
           <a:p>
-            <a:fld id="{37E6E479-A85E-4B76-A428-EE01C8375AA7}" type="slidenum">
+            <a:fld id="{4E709E6A-D70A-4FA8-BFA2-694B2078B7D9}" type="slidenum">
               <a:rPr lang="zh-CN" altLang="en-US" smtClean="0"/>
               <a:t>‹#›</a:t>
             </a:fld>
@@ -2127,7 +2127,7 @@
     </p:spTree>
     <p:extLst>
       <p:ext uri="{BB962C8B-B14F-4D97-AF65-F5344CB8AC3E}">
-        <p14:creationId xmlns:p14="http://schemas.microsoft.com/office/powerpoint/2010/main" val="172697851"/>
+        <p14:creationId xmlns:p14="http://schemas.microsoft.com/office/powerpoint/2010/main" val="3072750081"/>
       </p:ext>
     </p:extLst>
   </p:cSld>
@@ -2159,7 +2159,7 @@
           <p:cNvPr id="2" name="标题 1">
             <a:extLst>
               <a:ext uri="{FF2B5EF4-FFF2-40B4-BE49-F238E27FC236}">
-                <a16:creationId xmlns:a16="http://schemas.microsoft.com/office/drawing/2014/main" id="{8526FFBD-FAE9-0552-A7B1-BAE265983E57}"/>
+                <a16:creationId xmlns:a16="http://schemas.microsoft.com/office/drawing/2014/main" id="{5E922B9B-2614-1C84-FC2A-BE88A12DBCE0}"/>
               </a:ext>
             </a:extLst>
           </p:cNvPr>
@@ -2196,7 +2196,7 @@
           <p:cNvPr id="3" name="内容占位符 2">
             <a:extLst>
               <a:ext uri="{FF2B5EF4-FFF2-40B4-BE49-F238E27FC236}">
-                <a16:creationId xmlns:a16="http://schemas.microsoft.com/office/drawing/2014/main" id="{F72B86EA-A177-0FEB-99E1-22F1018AB1D0}"/>
+                <a16:creationId xmlns:a16="http://schemas.microsoft.com/office/drawing/2014/main" id="{7D0DF8B4-FDC2-C1A0-3171-E3BECB7D0F29}"/>
               </a:ext>
             </a:extLst>
           </p:cNvPr>
@@ -2286,7 +2286,7 @@
           <p:cNvPr id="4" name="文本占位符 3">
             <a:extLst>
               <a:ext uri="{FF2B5EF4-FFF2-40B4-BE49-F238E27FC236}">
-                <a16:creationId xmlns:a16="http://schemas.microsoft.com/office/drawing/2014/main" id="{D2505291-5E2B-35BF-B087-4199A55B16D4}"/>
+                <a16:creationId xmlns:a16="http://schemas.microsoft.com/office/drawing/2014/main" id="{6067AD48-E78C-E6F9-51AA-99FD193A9759}"/>
               </a:ext>
             </a:extLst>
           </p:cNvPr>
@@ -2357,7 +2357,7 @@
           <p:cNvPr id="5" name="日期占位符 4">
             <a:extLst>
               <a:ext uri="{FF2B5EF4-FFF2-40B4-BE49-F238E27FC236}">
-                <a16:creationId xmlns:a16="http://schemas.microsoft.com/office/drawing/2014/main" id="{BD0C3D52-D057-7A45-AD18-A7B3F45C500B}"/>
+                <a16:creationId xmlns:a16="http://schemas.microsoft.com/office/drawing/2014/main" id="{2DEB9CE7-A069-C53F-A486-C48F26437828}"/>
               </a:ext>
             </a:extLst>
           </p:cNvPr>
@@ -2373,7 +2373,7 @@
           <a:bodyPr/>
           <a:lstStyle/>
           <a:p>
-            <a:fld id="{96B1BB8A-A86F-43CF-9FEB-765786A9FE6F}" type="datetimeFigureOut">
+            <a:fld id="{CA3E3504-7BC0-4D73-9755-B09889FC7414}" type="datetimeFigureOut">
               <a:rPr lang="zh-CN" altLang="en-US" smtClean="0"/>
               <a:t>2024/3/10</a:t>
             </a:fld>
@@ -2386,7 +2386,7 @@
           <p:cNvPr id="6" name="页脚占位符 5">
             <a:extLst>
               <a:ext uri="{FF2B5EF4-FFF2-40B4-BE49-F238E27FC236}">
-                <a16:creationId xmlns:a16="http://schemas.microsoft.com/office/drawing/2014/main" id="{6E93F14C-4EE6-1456-7A97-FD167A09CA89}"/>
+                <a16:creationId xmlns:a16="http://schemas.microsoft.com/office/drawing/2014/main" id="{A2CD6A48-C44B-5A90-61C7-3F49D7CCFA04}"/>
               </a:ext>
             </a:extLst>
           </p:cNvPr>
@@ -2411,7 +2411,7 @@
           <p:cNvPr id="7" name="灯片编号占位符 6">
             <a:extLst>
               <a:ext uri="{FF2B5EF4-FFF2-40B4-BE49-F238E27FC236}">
-                <a16:creationId xmlns:a16="http://schemas.microsoft.com/office/drawing/2014/main" id="{580937B2-82B6-CE7A-22DB-BBAD170E4DE4}"/>
+                <a16:creationId xmlns:a16="http://schemas.microsoft.com/office/drawing/2014/main" id="{BD064952-B22C-562A-162E-FCBCA32E3212}"/>
               </a:ext>
             </a:extLst>
           </p:cNvPr>
@@ -2427,7 +2427,7 @@
           <a:bodyPr/>
           <a:lstStyle/>
           <a:p>
-            <a:fld id="{37E6E479-A85E-4B76-A428-EE01C8375AA7}" type="slidenum">
+            <a:fld id="{4E709E6A-D70A-4FA8-BFA2-694B2078B7D9}" type="slidenum">
               <a:rPr lang="zh-CN" altLang="en-US" smtClean="0"/>
               <a:t>‹#›</a:t>
             </a:fld>
@@ -2438,7 +2438,7 @@
     </p:spTree>
     <p:extLst>
       <p:ext uri="{BB962C8B-B14F-4D97-AF65-F5344CB8AC3E}">
-        <p14:creationId xmlns:p14="http://schemas.microsoft.com/office/powerpoint/2010/main" val="1651468029"/>
+        <p14:creationId xmlns:p14="http://schemas.microsoft.com/office/powerpoint/2010/main" val="2550594297"/>
       </p:ext>
     </p:extLst>
   </p:cSld>
@@ -2470,7 +2470,7 @@
           <p:cNvPr id="2" name="标题 1">
             <a:extLst>
               <a:ext uri="{FF2B5EF4-FFF2-40B4-BE49-F238E27FC236}">
-                <a16:creationId xmlns:a16="http://schemas.microsoft.com/office/drawing/2014/main" id="{4273605E-E20F-EE0B-89B2-28F6AB273994}"/>
+                <a16:creationId xmlns:a16="http://schemas.microsoft.com/office/drawing/2014/main" id="{021AA5EE-2C41-309B-861F-6D4501B4A468}"/>
               </a:ext>
             </a:extLst>
           </p:cNvPr>
@@ -2507,7 +2507,7 @@
           <p:cNvPr id="3" name="图片占位符 2">
             <a:extLst>
               <a:ext uri="{FF2B5EF4-FFF2-40B4-BE49-F238E27FC236}">
-                <a16:creationId xmlns:a16="http://schemas.microsoft.com/office/drawing/2014/main" id="{FBE6C85A-54C2-5A73-7E29-3AFB796BDF36}"/>
+                <a16:creationId xmlns:a16="http://schemas.microsoft.com/office/drawing/2014/main" id="{2B27DC0A-6A34-9A3F-D452-BCCCEE0C3FB0}"/>
               </a:ext>
             </a:extLst>
           </p:cNvPr>
@@ -2574,7 +2574,7 @@
           <p:cNvPr id="4" name="文本占位符 3">
             <a:extLst>
               <a:ext uri="{FF2B5EF4-FFF2-40B4-BE49-F238E27FC236}">
-                <a16:creationId xmlns:a16="http://schemas.microsoft.com/office/drawing/2014/main" id="{94539334-8445-8A15-65B6-DE284FFDB92D}"/>
+                <a16:creationId xmlns:a16="http://schemas.microsoft.com/office/drawing/2014/main" id="{2906D8D2-9CE6-56CC-B40A-4D0EB0354690}"/>
               </a:ext>
             </a:extLst>
           </p:cNvPr>
@@ -2645,7 +2645,7 @@
           <p:cNvPr id="5" name="日期占位符 4">
             <a:extLst>
               <a:ext uri="{FF2B5EF4-FFF2-40B4-BE49-F238E27FC236}">
-                <a16:creationId xmlns:a16="http://schemas.microsoft.com/office/drawing/2014/main" id="{12F151BD-9484-C8AF-1327-8C0D0A394FDF}"/>
+                <a16:creationId xmlns:a16="http://schemas.microsoft.com/office/drawing/2014/main" id="{AA170239-9BE8-3500-5732-103029C41F55}"/>
               </a:ext>
             </a:extLst>
           </p:cNvPr>
@@ -2661,7 +2661,7 @@
           <a:bodyPr/>
           <a:lstStyle/>
           <a:p>
-            <a:fld id="{96B1BB8A-A86F-43CF-9FEB-765786A9FE6F}" type="datetimeFigureOut">
+            <a:fld id="{CA3E3504-7BC0-4D73-9755-B09889FC7414}" type="datetimeFigureOut">
               <a:rPr lang="zh-CN" altLang="en-US" smtClean="0"/>
               <a:t>2024/3/10</a:t>
             </a:fld>
@@ -2674,7 +2674,7 @@
           <p:cNvPr id="6" name="页脚占位符 5">
             <a:extLst>
               <a:ext uri="{FF2B5EF4-FFF2-40B4-BE49-F238E27FC236}">
-                <a16:creationId xmlns:a16="http://schemas.microsoft.com/office/drawing/2014/main" id="{C9B3AD57-7E28-149A-4D38-50A41B113284}"/>
+                <a16:creationId xmlns:a16="http://schemas.microsoft.com/office/drawing/2014/main" id="{58017F31-2771-E3DB-5A41-FB5881A43191}"/>
               </a:ext>
             </a:extLst>
           </p:cNvPr>
@@ -2699,7 +2699,7 @@
           <p:cNvPr id="7" name="灯片编号占位符 6">
             <a:extLst>
               <a:ext uri="{FF2B5EF4-FFF2-40B4-BE49-F238E27FC236}">
-                <a16:creationId xmlns:a16="http://schemas.microsoft.com/office/drawing/2014/main" id="{C6FFE7DB-2717-EFCD-6146-7D96C9A67B2E}"/>
+                <a16:creationId xmlns:a16="http://schemas.microsoft.com/office/drawing/2014/main" id="{81C47E9F-58AA-12B6-598B-45617ECF7611}"/>
               </a:ext>
             </a:extLst>
           </p:cNvPr>
@@ -2715,7 +2715,7 @@
           <a:bodyPr/>
           <a:lstStyle/>
           <a:p>
-            <a:fld id="{37E6E479-A85E-4B76-A428-EE01C8375AA7}" type="slidenum">
+            <a:fld id="{4E709E6A-D70A-4FA8-BFA2-694B2078B7D9}" type="slidenum">
               <a:rPr lang="zh-CN" altLang="en-US" smtClean="0"/>
               <a:t>‹#›</a:t>
             </a:fld>
@@ -2726,7 +2726,7 @@
     </p:spTree>
     <p:extLst>
       <p:ext uri="{BB962C8B-B14F-4D97-AF65-F5344CB8AC3E}">
-        <p14:creationId xmlns:p14="http://schemas.microsoft.com/office/powerpoint/2010/main" val="1088018514"/>
+        <p14:creationId xmlns:p14="http://schemas.microsoft.com/office/powerpoint/2010/main" val="3023062437"/>
       </p:ext>
     </p:extLst>
   </p:cSld>
@@ -2763,7 +2763,7 @@
           <p:cNvPr id="2" name="标题占位符 1">
             <a:extLst>
               <a:ext uri="{FF2B5EF4-FFF2-40B4-BE49-F238E27FC236}">
-                <a16:creationId xmlns:a16="http://schemas.microsoft.com/office/drawing/2014/main" id="{4CC3D582-1587-44FF-AE99-66A0100E0A49}"/>
+                <a16:creationId xmlns:a16="http://schemas.microsoft.com/office/drawing/2014/main" id="{F0946880-FC99-B306-7823-13ABD029F006}"/>
               </a:ext>
             </a:extLst>
           </p:cNvPr>
@@ -2801,7 +2801,7 @@
           <p:cNvPr id="3" name="文本占位符 2">
             <a:extLst>
               <a:ext uri="{FF2B5EF4-FFF2-40B4-BE49-F238E27FC236}">
-                <a16:creationId xmlns:a16="http://schemas.microsoft.com/office/drawing/2014/main" id="{EEA291BF-FBA8-AB5F-A28E-54E54F9A5EAD}"/>
+                <a16:creationId xmlns:a16="http://schemas.microsoft.com/office/drawing/2014/main" id="{7E123122-4C87-79CE-DDDB-C1A61E1E5C19}"/>
               </a:ext>
             </a:extLst>
           </p:cNvPr>
@@ -2868,7 +2868,7 @@
           <p:cNvPr id="4" name="日期占位符 3">
             <a:extLst>
               <a:ext uri="{FF2B5EF4-FFF2-40B4-BE49-F238E27FC236}">
-                <a16:creationId xmlns:a16="http://schemas.microsoft.com/office/drawing/2014/main" id="{021C34BB-7D1C-1E3D-0F31-221EECEF2181}"/>
+                <a16:creationId xmlns:a16="http://schemas.microsoft.com/office/drawing/2014/main" id="{1E978B80-E152-E7A0-FD7B-A317662C1A63}"/>
               </a:ext>
             </a:extLst>
           </p:cNvPr>
@@ -2902,7 +2902,7 @@
             </a:lvl1pPr>
           </a:lstStyle>
           <a:p>
-            <a:fld id="{96B1BB8A-A86F-43CF-9FEB-765786A9FE6F}" type="datetimeFigureOut">
+            <a:fld id="{CA3E3504-7BC0-4D73-9755-B09889FC7414}" type="datetimeFigureOut">
               <a:rPr lang="zh-CN" altLang="en-US" smtClean="0"/>
               <a:t>2024/3/10</a:t>
             </a:fld>
@@ -2915,7 +2915,7 @@
           <p:cNvPr id="5" name="页脚占位符 4">
             <a:extLst>
               <a:ext uri="{FF2B5EF4-FFF2-40B4-BE49-F238E27FC236}">
-                <a16:creationId xmlns:a16="http://schemas.microsoft.com/office/drawing/2014/main" id="{97407810-F451-CD9E-C23E-92F756856F47}"/>
+                <a16:creationId xmlns:a16="http://schemas.microsoft.com/office/drawing/2014/main" id="{E4303496-E12A-7907-82EC-15D8EA71FAAA}"/>
               </a:ext>
             </a:extLst>
           </p:cNvPr>
@@ -2958,7 +2958,7 @@
           <p:cNvPr id="6" name="灯片编号占位符 5">
             <a:extLst>
               <a:ext uri="{FF2B5EF4-FFF2-40B4-BE49-F238E27FC236}">
-                <a16:creationId xmlns:a16="http://schemas.microsoft.com/office/drawing/2014/main" id="{4516905D-63DC-6885-9756-B1A58B481AFF}"/>
+                <a16:creationId xmlns:a16="http://schemas.microsoft.com/office/drawing/2014/main" id="{7FF4F402-E665-043B-689E-C9E068C26AFA}"/>
               </a:ext>
             </a:extLst>
           </p:cNvPr>
@@ -2992,7 +2992,7 @@
             </a:lvl1pPr>
           </a:lstStyle>
           <a:p>
-            <a:fld id="{37E6E479-A85E-4B76-A428-EE01C8375AA7}" type="slidenum">
+            <a:fld id="{4E709E6A-D70A-4FA8-BFA2-694B2078B7D9}" type="slidenum">
               <a:rPr lang="zh-CN" altLang="en-US" smtClean="0"/>
               <a:t>‹#›</a:t>
             </a:fld>
@@ -3003,7 +3003,7 @@
     </p:spTree>
     <p:extLst>
       <p:ext uri="{BB962C8B-B14F-4D97-AF65-F5344CB8AC3E}">
-        <p14:creationId xmlns:p14="http://schemas.microsoft.com/office/powerpoint/2010/main" val="409586969"/>
+        <p14:creationId xmlns:p14="http://schemas.microsoft.com/office/powerpoint/2010/main" val="573136178"/>
       </p:ext>
     </p:extLst>
   </p:cSld>
